--- a/docs/NLP assist v5.pptx
+++ b/docs/NLP assist v5.pptx
@@ -11918,7 +11918,7 @@
                 </a:solidFill>
                 <a:latin typeface="Oxygen" panose="02000503000000000000" pitchFamily="2" charset="0"/>
               </a:rPr>
-              <a:t>This system performs the basic exploratory data analysis and text preprocessing required for NLP</a:t>
+              <a:t>This system performs the basic exploratory data analysis, text preprocessing, and models required for NLP.</a:t>
             </a:r>
           </a:p>
           <a:p>
@@ -12099,16 +12099,15 @@
           </p:cNvPicPr>
           <p:nvPr/>
         </p:nvPicPr>
-        <p:blipFill>
+        <p:blipFill rotWithShape="1">
           <a:blip r:embed="rId2"/>
-          <a:stretch>
-            <a:fillRect/>
-          </a:stretch>
+          <a:srcRect t="994" r="1301" b="1159"/>
+          <a:stretch/>
         </p:blipFill>
         <p:spPr>
           <a:xfrm>
-            <a:off x="1625795" y="1461174"/>
-            <a:ext cx="5892410" cy="3327802"/>
+            <a:off x="1625795" y="1494263"/>
+            <a:ext cx="5815785" cy="3256158"/>
           </a:xfrm>
           <a:prstGeom prst="rect">
             <a:avLst/>
@@ -12192,7 +12191,7 @@
             </a:pPr>
             <a:r>
               <a:rPr lang="en-US" dirty="0"/>
-              <a:t>In this part, we begin with loading the dataset file in csv format in the webpage.</a:t>
+              <a:t>We begin with loading the dataset file in csv format in the webpage.</a:t>
             </a:r>
           </a:p>
           <a:p>
@@ -12467,8 +12466,8 @@
           </a:p>
           <a:p>
             <a:pPr marL="742950" lvl="1" indent="-285750" algn="l">
-              <a:buFont typeface="Arial" panose="020B0604020202020204" pitchFamily="34" charset="0"/>
-              <a:buChar char="•"/>
+              <a:buFont typeface="Courier New" panose="02070309020205020404" pitchFamily="49" charset="0"/>
+              <a:buChar char="o"/>
             </a:pPr>
             <a:r>
               <a:rPr lang="en-US" dirty="0"/>
@@ -12477,8 +12476,8 @@
           </a:p>
           <a:p>
             <a:pPr marL="742950" lvl="1" indent="-285750" algn="l">
-              <a:buFont typeface="Arial" panose="020B0604020202020204" pitchFamily="34" charset="0"/>
-              <a:buChar char="•"/>
+              <a:buFont typeface="Courier New" panose="02070309020205020404" pitchFamily="49" charset="0"/>
+              <a:buChar char="o"/>
             </a:pPr>
             <a:r>
               <a:rPr lang="en-US" dirty="0"/>
@@ -12487,12 +12486,12 @@
           </a:p>
           <a:p>
             <a:pPr marL="742950" lvl="1" indent="-285750" algn="l">
-              <a:buFont typeface="Arial" panose="020B0604020202020204" pitchFamily="34" charset="0"/>
-              <a:buChar char="•"/>
+              <a:buFont typeface="Courier New" panose="02070309020205020404" pitchFamily="49" charset="0"/>
+              <a:buChar char="o"/>
             </a:pPr>
             <a:r>
               <a:rPr lang="en-US" dirty="0"/>
-              <a:t>Text Classification</a:t>
+              <a:t>Key word Extraction</a:t>
             </a:r>
           </a:p>
           <a:p>
@@ -12849,15 +12848,6 @@
           <a:effectLst>
             <a:reflection blurRad="12700" stA="38000" endPos="28000" dist="5000" dir="5400000" sy="-100000" algn="bl" rotWithShape="0"/>
           </a:effectLst>
-          <a:extLst>
-            <a:ext uri="{909E8E84-426E-40DD-AFC4-6F175D3DCCD1}">
-              <a14:hiddenFill xmlns:a14="http://schemas.microsoft.com/office/drawing/2010/main">
-                <a:solidFill>
-                  <a:srgbClr val="FFFFFF"/>
-                </a:solidFill>
-              </a14:hiddenFill>
-            </a:ext>
-          </a:extLst>
         </p:spPr>
       </p:pic>
       <p:sp>
@@ -13158,15 +13148,6 @@
           <a:effectLst>
             <a:reflection blurRad="12700" stA="38000" endPos="28000" dist="5000" dir="5400000" sy="-100000" algn="bl" rotWithShape="0"/>
           </a:effectLst>
-          <a:extLst>
-            <a:ext uri="{909E8E84-426E-40DD-AFC4-6F175D3DCCD1}">
-              <a14:hiddenFill xmlns:a14="http://schemas.microsoft.com/office/drawing/2010/main">
-                <a:solidFill>
-                  <a:srgbClr val="FFFFFF"/>
-                </a:solidFill>
-              </a14:hiddenFill>
-            </a:ext>
-          </a:extLst>
         </p:spPr>
       </p:pic>
     </p:spTree>
@@ -16479,7 +16460,7 @@
             </a:pPr>
             <a:r>
               <a:rPr lang="en" dirty="0"/>
-              <a:t>NLP  Workflow for efficiency and effectiveness</a:t>
+              <a:t>NLP Workflow for efficiency and effectiveness</a:t>
             </a:r>
             <a:endParaRPr dirty="0"/>
           </a:p>
@@ -17964,6 +17945,7 @@
         <p:nvCxnSpPr>
           <p:cNvPr id="512" name="Google Shape;512;p47"/>
           <p:cNvCxnSpPr>
+            <a:cxnSpLocks/>
             <a:stCxn id="504" idx="2"/>
             <a:endCxn id="489" idx="1"/>
           </p:cNvCxnSpPr>
@@ -18080,7 +18062,7 @@
             </a:pPr>
             <a:r>
               <a:rPr lang="en-US" dirty="0"/>
-              <a:t>Our project aims to provide assistance for the developers performing NLP modelling.</a:t>
+              <a:t>Our project aims to provide assistance for the developers and organizations performing Natural Language Processing.</a:t>
             </a:r>
           </a:p>
           <a:p>
@@ -20626,7 +20608,7 @@
         <p:spPr>
           <a:xfrm>
             <a:off x="1203960" y="1777830"/>
-            <a:ext cx="6891528" cy="2462213"/>
+            <a:ext cx="6891528" cy="2031325"/>
           </a:xfrm>
           <a:prstGeom prst="rect">
             <a:avLst/>
@@ -20690,45 +20672,10 @@
             </a:r>
           </a:p>
           <a:p>
-            <a:pPr marL="285750" indent="-285750">
+            <a:pPr>
               <a:buClr>
                 <a:schemeClr val="bg1"/>
               </a:buClr>
-              <a:buFont typeface="Arial" panose="020B0604020202020204" pitchFamily="34" charset="0"/>
-              <a:buChar char="•"/>
-            </a:pPr>
-            <a:endParaRPr lang="en-US" dirty="0">
-              <a:solidFill>
-                <a:schemeClr val="bg1"/>
-              </a:solidFill>
-              <a:latin typeface="Oxygen" panose="02000503000000000000" pitchFamily="2" charset="0"/>
-            </a:endParaRPr>
-          </a:p>
-          <a:p>
-            <a:pPr marL="285750" indent="-285750">
-              <a:buClr>
-                <a:schemeClr val="bg1"/>
-              </a:buClr>
-              <a:buFont typeface="Arial" panose="020B0604020202020204" pitchFamily="34" charset="0"/>
-              <a:buChar char="•"/>
-            </a:pPr>
-            <a:r>
-              <a:rPr lang="en-US" dirty="0">
-                <a:solidFill>
-                  <a:schemeClr val="bg1"/>
-                </a:solidFill>
-                <a:latin typeface="Oxygen" panose="02000503000000000000" pitchFamily="2" charset="0"/>
-              </a:rPr>
-              <a:t>It also performs text preprocessing using regular expressions to remove noise.</a:t>
-            </a:r>
-          </a:p>
-          <a:p>
-            <a:pPr marL="285750" indent="-285750">
-              <a:buClr>
-                <a:schemeClr val="bg1"/>
-              </a:buClr>
-              <a:buFont typeface="Arial" panose="020B0604020202020204" pitchFamily="34" charset="0"/>
-              <a:buChar char="•"/>
             </a:pPr>
             <a:endParaRPr lang="en-US" dirty="0">
               <a:solidFill>

--- a/docs/NLP assist v5.pptx
+++ b/docs/NLP assist v5.pptx
@@ -5,7 +5,7 @@
     <p:sldMasterId id="2147483683" r:id="rId1"/>
   </p:sldMasterIdLst>
   <p:notesMasterIdLst>
-    <p:notesMasterId r:id="rId19"/>
+    <p:notesMasterId r:id="rId20"/>
   </p:notesMasterIdLst>
   <p:sldIdLst>
     <p:sldId id="256" r:id="rId2"/>
@@ -25,19 +25,20 @@
     <p:sldId id="325" r:id="rId16"/>
     <p:sldId id="320" r:id="rId17"/>
     <p:sldId id="322" r:id="rId18"/>
+    <p:sldId id="327" r:id="rId19"/>
   </p:sldIdLst>
   <p:sldSz cx="9144000" cy="5143500" type="screen16x9"/>
   <p:notesSz cx="6858000" cy="9144000"/>
   <p:embeddedFontLst>
     <p:embeddedFont>
       <p:font typeface="Montserrat ExtraBold" panose="00000900000000000000" pitchFamily="2" charset="0"/>
-      <p:bold r:id="rId20"/>
-      <p:boldItalic r:id="rId21"/>
+      <p:bold r:id="rId21"/>
+      <p:boldItalic r:id="rId22"/>
     </p:embeddedFont>
     <p:embeddedFont>
       <p:font typeface="Oxygen" panose="02000503000000000000" pitchFamily="2" charset="0"/>
-      <p:regular r:id="rId22"/>
-      <p:bold r:id="rId23"/>
+      <p:regular r:id="rId23"/>
+      <p:bold r:id="rId24"/>
     </p:embeddedFont>
   </p:embeddedFontLst>
   <p:defaultTextStyle>
@@ -2590,446 +2591,6 @@
 </p:sldLayout>
 </file>
 
-<file path=ppt/slideLayouts/slideLayout10.xml><?xml version="1.0" encoding="utf-8"?>
-<p:sldLayout xmlns:a="http://schemas.openxmlformats.org/drawingml/2006/main" xmlns:r="http://schemas.openxmlformats.org/officeDocument/2006/relationships" xmlns:p="http://schemas.openxmlformats.org/presentationml/2006/main" matchingName="Background 1">
-  <p:cSld name="BLANK_1_1_1_1_1_1_1_1">
-    <p:bg>
-      <p:bgPr>
-        <a:blipFill>
-          <a:blip r:embed="rId2">
-            <a:alphaModFix/>
-          </a:blip>
-          <a:stretch>
-            <a:fillRect/>
-          </a:stretch>
-        </a:blipFill>
-        <a:effectLst/>
-      </p:bgPr>
-    </p:bg>
-    <p:spTree>
-      <p:nvGrpSpPr>
-        <p:cNvPr id="1" name="Shape 327"/>
-        <p:cNvGrpSpPr/>
-        <p:nvPr/>
-      </p:nvGrpSpPr>
-      <p:grpSpPr>
-        <a:xfrm>
-          <a:off x="0" y="0"/>
-          <a:ext cx="0" cy="0"/>
-          <a:chOff x="0" y="0"/>
-          <a:chExt cx="0" cy="0"/>
-        </a:xfrm>
-      </p:grpSpPr>
-      <p:pic>
-        <p:nvPicPr>
-          <p:cNvPr id="328" name="Google Shape;328;p34"/>
-          <p:cNvPicPr preferRelativeResize="0"/>
-          <p:nvPr/>
-        </p:nvPicPr>
-        <p:blipFill>
-          <a:blip r:embed="rId3">
-            <a:alphaModFix amt="49000"/>
-          </a:blip>
-          <a:stretch>
-            <a:fillRect/>
-          </a:stretch>
-        </p:blipFill>
-        <p:spPr>
-          <a:xfrm rot="6786017" flipH="1">
-            <a:off x="-2215630" y="1004870"/>
-            <a:ext cx="6747132" cy="3280279"/>
-          </a:xfrm>
-          <a:prstGeom prst="rect">
-            <a:avLst/>
-          </a:prstGeom>
-          <a:noFill/>
-          <a:ln>
-            <a:noFill/>
-          </a:ln>
-        </p:spPr>
-      </p:pic>
-      <p:grpSp>
-        <p:nvGrpSpPr>
-          <p:cNvPr id="329" name="Google Shape;329;p34"/>
-          <p:cNvGrpSpPr/>
-          <p:nvPr/>
-        </p:nvGrpSpPr>
-        <p:grpSpPr>
-          <a:xfrm rot="5400000" flipH="1">
-            <a:off x="-591034" y="652627"/>
-            <a:ext cx="1482300" cy="1765375"/>
-            <a:chOff x="307037" y="4131480"/>
-            <a:chExt cx="1482300" cy="1765375"/>
-          </a:xfrm>
-        </p:grpSpPr>
-        <p:sp>
-          <p:nvSpPr>
-            <p:cNvPr id="330" name="Google Shape;330;p34"/>
-            <p:cNvSpPr/>
-            <p:nvPr/>
-          </p:nvSpPr>
-          <p:spPr>
-            <a:xfrm>
-              <a:off x="307037" y="4414555"/>
-              <a:ext cx="1482300" cy="1482300"/>
-            </a:xfrm>
-            <a:prstGeom prst="blockArc">
-              <a:avLst>
-                <a:gd name="adj1" fmla="val 10800000"/>
-                <a:gd name="adj2" fmla="val 0"/>
-                <a:gd name="adj3" fmla="val 25000"/>
-              </a:avLst>
-            </a:prstGeom>
-            <a:gradFill>
-              <a:gsLst>
-                <a:gs pos="0">
-                  <a:schemeClr val="accent5"/>
-                </a:gs>
-                <a:gs pos="100000">
-                  <a:schemeClr val="accent2"/>
-                </a:gs>
-              </a:gsLst>
-              <a:lin ang="5400700" scaled="0"/>
-            </a:gradFill>
-            <a:ln>
-              <a:noFill/>
-            </a:ln>
-          </p:spPr>
-          <p:txBody>
-            <a:bodyPr spcFirstLastPara="1" wrap="square" lIns="91425" tIns="91425" rIns="91425" bIns="91425" anchor="ctr" anchorCtr="0">
-              <a:noAutofit/>
-            </a:bodyPr>
-            <a:lstStyle/>
-            <a:p>
-              <a:pPr marL="0" lvl="0" indent="0" algn="l" rtl="0">
-                <a:spcBef>
-                  <a:spcPts val="0"/>
-                </a:spcBef>
-                <a:spcAft>
-                  <a:spcPts val="0"/>
-                </a:spcAft>
-                <a:buNone/>
-              </a:pPr>
-              <a:endParaRPr/>
-            </a:p>
-          </p:txBody>
-        </p:sp>
-        <p:sp>
-          <p:nvSpPr>
-            <p:cNvPr id="331" name="Google Shape;331;p34"/>
-            <p:cNvSpPr/>
-            <p:nvPr/>
-          </p:nvSpPr>
-          <p:spPr>
-            <a:xfrm rot="3675020">
-              <a:off x="522899" y="4201984"/>
-              <a:ext cx="394192" cy="394192"/>
-            </a:xfrm>
-            <a:prstGeom prst="ellipse">
-              <a:avLst/>
-            </a:prstGeom>
-            <a:gradFill>
-              <a:gsLst>
-                <a:gs pos="0">
-                  <a:schemeClr val="accent1"/>
-                </a:gs>
-                <a:gs pos="100000">
-                  <a:schemeClr val="accent4"/>
-                </a:gs>
-              </a:gsLst>
-              <a:lin ang="2698631" scaled="0"/>
-            </a:gradFill>
-            <a:ln>
-              <a:noFill/>
-            </a:ln>
-          </p:spPr>
-          <p:txBody>
-            <a:bodyPr spcFirstLastPara="1" wrap="square" lIns="91425" tIns="91425" rIns="91425" bIns="91425" anchor="ctr" anchorCtr="0">
-              <a:noAutofit/>
-            </a:bodyPr>
-            <a:lstStyle/>
-            <a:p>
-              <a:pPr marL="0" lvl="0" indent="0" algn="l" rtl="0">
-                <a:spcBef>
-                  <a:spcPts val="0"/>
-                </a:spcBef>
-                <a:spcAft>
-                  <a:spcPts val="0"/>
-                </a:spcAft>
-                <a:buNone/>
-              </a:pPr>
-              <a:endParaRPr/>
-            </a:p>
-          </p:txBody>
-        </p:sp>
-      </p:grpSp>
-      <p:sp>
-        <p:nvSpPr>
-          <p:cNvPr id="332" name="Google Shape;332;p34"/>
-          <p:cNvSpPr/>
-          <p:nvPr/>
-        </p:nvSpPr>
-        <p:spPr>
-          <a:xfrm rot="3678880">
-            <a:off x="8399963" y="1025937"/>
-            <a:ext cx="348126" cy="348126"/>
-          </a:xfrm>
-          <a:prstGeom prst="ellipse">
-            <a:avLst/>
-          </a:prstGeom>
-          <a:gradFill>
-            <a:gsLst>
-              <a:gs pos="0">
-                <a:schemeClr val="accent1"/>
-              </a:gs>
-              <a:gs pos="100000">
-                <a:schemeClr val="accent4"/>
-              </a:gs>
-            </a:gsLst>
-            <a:lin ang="2698631" scaled="0"/>
-          </a:gradFill>
-          <a:ln>
-            <a:noFill/>
-          </a:ln>
-        </p:spPr>
-        <p:txBody>
-          <a:bodyPr spcFirstLastPara="1" wrap="square" lIns="91425" tIns="91425" rIns="91425" bIns="91425" anchor="ctr" anchorCtr="0">
-            <a:noAutofit/>
-          </a:bodyPr>
-          <a:lstStyle/>
-          <a:p>
-            <a:pPr marL="0" lvl="0" indent="0" algn="l" rtl="0">
-              <a:spcBef>
-                <a:spcPts val="0"/>
-              </a:spcBef>
-              <a:spcAft>
-                <a:spcPts val="0"/>
-              </a:spcAft>
-              <a:buNone/>
-            </a:pPr>
-            <a:endParaRPr/>
-          </a:p>
-        </p:txBody>
-      </p:sp>
-      <p:sp>
-        <p:nvSpPr>
-          <p:cNvPr id="333" name="Google Shape;333;p34"/>
-          <p:cNvSpPr/>
-          <p:nvPr/>
-        </p:nvSpPr>
-        <p:spPr>
-          <a:xfrm rot="3678203">
-            <a:off x="8589000" y="1448465"/>
-            <a:ext cx="923419" cy="923419"/>
-          </a:xfrm>
-          <a:prstGeom prst="ellipse">
-            <a:avLst/>
-          </a:prstGeom>
-          <a:gradFill>
-            <a:gsLst>
-              <a:gs pos="0">
-                <a:schemeClr val="accent5"/>
-              </a:gs>
-              <a:gs pos="100000">
-                <a:schemeClr val="accent2"/>
-              </a:gs>
-            </a:gsLst>
-            <a:lin ang="5400012" scaled="0"/>
-          </a:gradFill>
-          <a:ln>
-            <a:noFill/>
-          </a:ln>
-        </p:spPr>
-        <p:txBody>
-          <a:bodyPr spcFirstLastPara="1" wrap="square" lIns="91425" tIns="91425" rIns="91425" bIns="91425" anchor="ctr" anchorCtr="0">
-            <a:noAutofit/>
-          </a:bodyPr>
-          <a:lstStyle/>
-          <a:p>
-            <a:pPr marL="0" lvl="0" indent="0" algn="l" rtl="0">
-              <a:spcBef>
-                <a:spcPts val="0"/>
-              </a:spcBef>
-              <a:spcAft>
-                <a:spcPts val="0"/>
-              </a:spcAft>
-              <a:buNone/>
-            </a:pPr>
-            <a:endParaRPr/>
-          </a:p>
-        </p:txBody>
-      </p:sp>
-      <p:sp>
-        <p:nvSpPr>
-          <p:cNvPr id="334" name="Google Shape;334;p34"/>
-          <p:cNvSpPr/>
-          <p:nvPr/>
-        </p:nvSpPr>
-        <p:spPr>
-          <a:xfrm rot="3677995">
-            <a:off x="8664221" y="2217693"/>
-            <a:ext cx="183664" cy="183664"/>
-          </a:xfrm>
-          <a:prstGeom prst="ellipse">
-            <a:avLst/>
-          </a:prstGeom>
-          <a:gradFill>
-            <a:gsLst>
-              <a:gs pos="0">
-                <a:schemeClr val="accent1"/>
-              </a:gs>
-              <a:gs pos="100000">
-                <a:schemeClr val="accent4"/>
-              </a:gs>
-            </a:gsLst>
-            <a:lin ang="2698631" scaled="0"/>
-          </a:gradFill>
-          <a:ln>
-            <a:noFill/>
-          </a:ln>
-        </p:spPr>
-        <p:txBody>
-          <a:bodyPr spcFirstLastPara="1" wrap="square" lIns="91425" tIns="91425" rIns="91425" bIns="91425" anchor="ctr" anchorCtr="0">
-            <a:noAutofit/>
-          </a:bodyPr>
-          <a:lstStyle/>
-          <a:p>
-            <a:pPr marL="0" lvl="0" indent="0" algn="l" rtl="0">
-              <a:spcBef>
-                <a:spcPts val="0"/>
-              </a:spcBef>
-              <a:spcAft>
-                <a:spcPts val="0"/>
-              </a:spcAft>
-              <a:buNone/>
-            </a:pPr>
-            <a:endParaRPr/>
-          </a:p>
-        </p:txBody>
-      </p:sp>
-      <p:grpSp>
-        <p:nvGrpSpPr>
-          <p:cNvPr id="335" name="Google Shape;335;p34"/>
-          <p:cNvGrpSpPr/>
-          <p:nvPr/>
-        </p:nvGrpSpPr>
-        <p:grpSpPr>
-          <a:xfrm>
-            <a:off x="7471966" y="4126177"/>
-            <a:ext cx="1482300" cy="1765375"/>
-            <a:chOff x="307037" y="4131480"/>
-            <a:chExt cx="1482300" cy="1765375"/>
-          </a:xfrm>
-        </p:grpSpPr>
-        <p:sp>
-          <p:nvSpPr>
-            <p:cNvPr id="336" name="Google Shape;336;p34"/>
-            <p:cNvSpPr/>
-            <p:nvPr/>
-          </p:nvSpPr>
-          <p:spPr>
-            <a:xfrm>
-              <a:off x="307037" y="4414555"/>
-              <a:ext cx="1482300" cy="1482300"/>
-            </a:xfrm>
-            <a:prstGeom prst="blockArc">
-              <a:avLst>
-                <a:gd name="adj1" fmla="val 10800000"/>
-                <a:gd name="adj2" fmla="val 0"/>
-                <a:gd name="adj3" fmla="val 25000"/>
-              </a:avLst>
-            </a:prstGeom>
-            <a:gradFill>
-              <a:gsLst>
-                <a:gs pos="0">
-                  <a:schemeClr val="accent5"/>
-                </a:gs>
-                <a:gs pos="100000">
-                  <a:schemeClr val="accent2"/>
-                </a:gs>
-              </a:gsLst>
-              <a:lin ang="5400700" scaled="0"/>
-            </a:gradFill>
-            <a:ln>
-              <a:noFill/>
-            </a:ln>
-          </p:spPr>
-          <p:txBody>
-            <a:bodyPr spcFirstLastPara="1" wrap="square" lIns="91425" tIns="91425" rIns="91425" bIns="91425" anchor="ctr" anchorCtr="0">
-              <a:noAutofit/>
-            </a:bodyPr>
-            <a:lstStyle/>
-            <a:p>
-              <a:pPr marL="0" lvl="0" indent="0" algn="l" rtl="0">
-                <a:spcBef>
-                  <a:spcPts val="0"/>
-                </a:spcBef>
-                <a:spcAft>
-                  <a:spcPts val="0"/>
-                </a:spcAft>
-                <a:buNone/>
-              </a:pPr>
-              <a:endParaRPr/>
-            </a:p>
-          </p:txBody>
-        </p:sp>
-        <p:sp>
-          <p:nvSpPr>
-            <p:cNvPr id="337" name="Google Shape;337;p34"/>
-            <p:cNvSpPr/>
-            <p:nvPr/>
-          </p:nvSpPr>
-          <p:spPr>
-            <a:xfrm rot="3675020">
-              <a:off x="522899" y="4201984"/>
-              <a:ext cx="394192" cy="394192"/>
-            </a:xfrm>
-            <a:prstGeom prst="ellipse">
-              <a:avLst/>
-            </a:prstGeom>
-            <a:gradFill>
-              <a:gsLst>
-                <a:gs pos="0">
-                  <a:schemeClr val="accent1"/>
-                </a:gs>
-                <a:gs pos="100000">
-                  <a:schemeClr val="accent4"/>
-                </a:gs>
-              </a:gsLst>
-              <a:lin ang="2698631" scaled="0"/>
-            </a:gradFill>
-            <a:ln>
-              <a:noFill/>
-            </a:ln>
-          </p:spPr>
-          <p:txBody>
-            <a:bodyPr spcFirstLastPara="1" wrap="square" lIns="91425" tIns="91425" rIns="91425" bIns="91425" anchor="ctr" anchorCtr="0">
-              <a:noAutofit/>
-            </a:bodyPr>
-            <a:lstStyle/>
-            <a:p>
-              <a:pPr marL="0" lvl="0" indent="0" algn="l" rtl="0">
-                <a:spcBef>
-                  <a:spcPts val="0"/>
-                </a:spcBef>
-                <a:spcAft>
-                  <a:spcPts val="0"/>
-                </a:spcAft>
-                <a:buNone/>
-              </a:pPr>
-              <a:endParaRPr/>
-            </a:p>
-          </p:txBody>
-        </p:sp>
-      </p:grpSp>
-    </p:spTree>
-  </p:cSld>
-  <p:clrMapOvr>
-    <a:masterClrMapping/>
-  </p:clrMapOvr>
-</p:sldLayout>
-</file>
-
 <file path=ppt/slideLayouts/slideLayout2.xml><?xml version="1.0" encoding="utf-8"?>
 <p:sldLayout xmlns:a="http://schemas.openxmlformats.org/drawingml/2006/main" xmlns:r="http://schemas.openxmlformats.org/officeDocument/2006/relationships" xmlns:p="http://schemas.openxmlformats.org/presentationml/2006/main" matchingName="Title and two columns" type="twoColTx">
   <p:cSld name="TITLE_AND_TWO_COLUMNS">
@@ -10809,7 +10370,6 @@
     <p:sldLayoutId id="2147483671" r:id="rId7"/>
     <p:sldLayoutId id="2147483674" r:id="rId8"/>
     <p:sldLayoutId id="2147483679" r:id="rId9"/>
-    <p:sldLayoutId id="2147483680" r:id="rId10"/>
   </p:sldLayoutIdLst>
   <p:hf hdr="0" ftr="0" dt="0"/>
   <p:txStyles>
@@ -12070,7 +11630,7 @@
         </p:nvSpPr>
         <p:spPr>
           <a:xfrm>
-            <a:off x="720000" y="813100"/>
+            <a:off x="720000" y="500866"/>
             <a:ext cx="7704000" cy="329100"/>
           </a:xfrm>
         </p:spPr>
@@ -12106,7 +11666,7 @@
         </p:blipFill>
         <p:spPr>
           <a:xfrm>
-            <a:off x="1625795" y="1494263"/>
+            <a:off x="1664107" y="1315844"/>
             <a:ext cx="5815785" cy="3256158"/>
           </a:xfrm>
           <a:prstGeom prst="rect">
@@ -13661,6 +13221,93 @@
     <p:extLst>
       <p:ext uri="{BB962C8B-B14F-4D97-AF65-F5344CB8AC3E}">
         <p14:creationId xmlns:p14="http://schemas.microsoft.com/office/powerpoint/2010/main" val="1941891537"/>
+      </p:ext>
+    </p:extLst>
+  </p:cSld>
+  <p:clrMapOvr>
+    <a:masterClrMapping/>
+  </p:clrMapOvr>
+</p:sld>
+</file>
+
+<file path=ppt/slides/slide18.xml><?xml version="1.0" encoding="utf-8"?>
+<p:sld xmlns:a="http://schemas.openxmlformats.org/drawingml/2006/main" xmlns:r="http://schemas.openxmlformats.org/officeDocument/2006/relationships" xmlns:p="http://schemas.openxmlformats.org/presentationml/2006/main">
+  <p:cSld>
+    <p:spTree>
+      <p:nvGrpSpPr>
+        <p:cNvPr id="1" name=""/>
+        <p:cNvGrpSpPr/>
+        <p:nvPr/>
+      </p:nvGrpSpPr>
+      <p:grpSpPr>
+        <a:xfrm>
+          <a:off x="0" y="0"/>
+          <a:ext cx="0" cy="0"/>
+          <a:chOff x="0" y="0"/>
+          <a:chExt cx="0" cy="0"/>
+        </a:xfrm>
+      </p:grpSpPr>
+      <p:pic>
+        <p:nvPicPr>
+          <p:cNvPr id="2" name="Picture 1">
+            <a:extLst>
+              <a:ext uri="{FF2B5EF4-FFF2-40B4-BE49-F238E27FC236}">
+                <a16:creationId xmlns:a16="http://schemas.microsoft.com/office/drawing/2014/main" id="{6CE627D7-6A20-E206-9548-A82D0349F8F4}"/>
+              </a:ext>
+            </a:extLst>
+          </p:cNvPr>
+          <p:cNvPicPr>
+            <a:picLocks noChangeAspect="1"/>
+          </p:cNvPicPr>
+          <p:nvPr/>
+        </p:nvPicPr>
+        <p:blipFill rotWithShape="1">
+          <a:blip r:embed="rId2"/>
+          <a:srcRect b="59964"/>
+          <a:stretch/>
+        </p:blipFill>
+        <p:spPr>
+          <a:xfrm>
+            <a:off x="1791538" y="1504949"/>
+            <a:ext cx="5560924" cy="2881197"/>
+          </a:xfrm>
+          <a:prstGeom prst="rect">
+            <a:avLst/>
+          </a:prstGeom>
+        </p:spPr>
+      </p:pic>
+      <p:sp>
+        <p:nvSpPr>
+          <p:cNvPr id="3" name="Title 2">
+            <a:extLst>
+              <a:ext uri="{FF2B5EF4-FFF2-40B4-BE49-F238E27FC236}">
+                <a16:creationId xmlns:a16="http://schemas.microsoft.com/office/drawing/2014/main" id="{0F09ECD3-67FC-2FAB-9619-70FCE32A0619}"/>
+              </a:ext>
+            </a:extLst>
+          </p:cNvPr>
+          <p:cNvSpPr>
+            <a:spLocks noGrp="1"/>
+          </p:cNvSpPr>
+          <p:nvPr>
+            <p:ph type="title"/>
+          </p:nvPr>
+        </p:nvSpPr>
+        <p:spPr/>
+        <p:txBody>
+          <a:bodyPr/>
+          <a:lstStyle/>
+          <a:p>
+            <a:r>
+              <a:rPr lang="en-IN" dirty="0"/>
+              <a:t>Publication Acceptance</a:t>
+            </a:r>
+          </a:p>
+        </p:txBody>
+      </p:sp>
+    </p:spTree>
+    <p:extLst>
+      <p:ext uri="{BB962C8B-B14F-4D97-AF65-F5344CB8AC3E}">
+        <p14:creationId xmlns:p14="http://schemas.microsoft.com/office/powerpoint/2010/main" val="687811579"/>
       </p:ext>
     </p:extLst>
   </p:cSld>
@@ -17946,13 +17593,11 @@
           <p:cNvPr id="512" name="Google Shape;512;p47"/>
           <p:cNvCxnSpPr>
             <a:cxnSpLocks/>
-            <a:stCxn id="504" idx="2"/>
-            <a:endCxn id="489" idx="1"/>
           </p:cNvCxnSpPr>
           <p:nvPr/>
         </p:nvCxnSpPr>
         <p:spPr>
-          <a:xfrm rot="10800000" flipH="1">
+          <a:xfrm rot="10980000" flipH="1">
             <a:off x="5443013" y="1956250"/>
             <a:ext cx="329700" cy="11400"/>
           </a:xfrm>
@@ -17975,8 +17620,7 @@
         <p:nvCxnSpPr>
           <p:cNvPr id="513" name="Google Shape;513;p47"/>
           <p:cNvCxnSpPr>
-            <a:stCxn id="505" idx="2"/>
-            <a:endCxn id="493" idx="1"/>
+            <a:cxnSpLocks/>
           </p:cNvCxnSpPr>
           <p:nvPr/>
         </p:nvCxnSpPr>
